--- a/documents/images.pptx
+++ b/documents/images.pptx
@@ -104,6 +104,11 @@
       </a:defRPr>
     </a:lvl9pPr>
   </p:defaultTextStyle>
+  <p:extLst>
+    <p:ext uri="{EFAFB233-063F-42B5-8137-9DF3F51BA10A}">
+      <p15:sldGuideLst xmlns:p15="http://schemas.microsoft.com/office/powerpoint/2012/main"/>
+    </p:ext>
+  </p:extLst>
 </p:presentation>
 </file>
 
@@ -3674,6 +3679,130 @@
           </a:p>
         </p:txBody>
       </p:sp>
+      <p:sp>
+        <p:nvSpPr>
+          <p:cNvPr id="8" name="Forma libre: forma 7">
+            <a:extLst>
+              <a:ext uri="{FF2B5EF4-FFF2-40B4-BE49-F238E27FC236}">
+                <a16:creationId xmlns:a16="http://schemas.microsoft.com/office/drawing/2014/main" id="{2497149D-11EE-43CB-A891-3A666A65257D}"/>
+              </a:ext>
+            </a:extLst>
+          </p:cNvPr>
+          <p:cNvSpPr/>
+          <p:nvPr/>
+        </p:nvSpPr>
+        <p:spPr>
+          <a:xfrm>
+            <a:off x="6557069" y="1450550"/>
+            <a:ext cx="257175" cy="449580"/>
+          </a:xfrm>
+          <a:custGeom>
+            <a:avLst/>
+            <a:gdLst>
+              <a:gd name="connsiteX0" fmla="*/ 255270 w 257175"/>
+              <a:gd name="connsiteY0" fmla="*/ 0 h 449580"/>
+              <a:gd name="connsiteX1" fmla="*/ 257175 w 257175"/>
+              <a:gd name="connsiteY1" fmla="*/ 386715 h 449580"/>
+              <a:gd name="connsiteX2" fmla="*/ 91440 w 257175"/>
+              <a:gd name="connsiteY2" fmla="*/ 449580 h 449580"/>
+              <a:gd name="connsiteX3" fmla="*/ 112395 w 257175"/>
+              <a:gd name="connsiteY3" fmla="*/ 291465 h 449580"/>
+              <a:gd name="connsiteX4" fmla="*/ 0 w 257175"/>
+              <a:gd name="connsiteY4" fmla="*/ 167640 h 449580"/>
+              <a:gd name="connsiteX5" fmla="*/ 165735 w 257175"/>
+              <a:gd name="connsiteY5" fmla="*/ 137160 h 449580"/>
+              <a:gd name="connsiteX6" fmla="*/ 255270 w 257175"/>
+              <a:gd name="connsiteY6" fmla="*/ 0 h 449580"/>
+            </a:gdLst>
+            <a:ahLst/>
+            <a:cxnLst>
+              <a:cxn ang="0">
+                <a:pos x="connsiteX0" y="connsiteY0"/>
+              </a:cxn>
+              <a:cxn ang="0">
+                <a:pos x="connsiteX1" y="connsiteY1"/>
+              </a:cxn>
+              <a:cxn ang="0">
+                <a:pos x="connsiteX2" y="connsiteY2"/>
+              </a:cxn>
+              <a:cxn ang="0">
+                <a:pos x="connsiteX3" y="connsiteY3"/>
+              </a:cxn>
+              <a:cxn ang="0">
+                <a:pos x="connsiteX4" y="connsiteY4"/>
+              </a:cxn>
+              <a:cxn ang="0">
+                <a:pos x="connsiteX5" y="connsiteY5"/>
+              </a:cxn>
+              <a:cxn ang="0">
+                <a:pos x="connsiteX6" y="connsiteY6"/>
+              </a:cxn>
+            </a:cxnLst>
+            <a:rect l="l" t="t" r="r" b="b"/>
+            <a:pathLst>
+              <a:path w="257175" h="449580">
+                <a:moveTo>
+                  <a:pt x="255270" y="0"/>
+                </a:moveTo>
+                <a:lnTo>
+                  <a:pt x="257175" y="386715"/>
+                </a:lnTo>
+                <a:lnTo>
+                  <a:pt x="91440" y="449580"/>
+                </a:lnTo>
+                <a:lnTo>
+                  <a:pt x="112395" y="291465"/>
+                </a:lnTo>
+                <a:lnTo>
+                  <a:pt x="0" y="167640"/>
+                </a:lnTo>
+                <a:lnTo>
+                  <a:pt x="165735" y="137160"/>
+                </a:lnTo>
+                <a:lnTo>
+                  <a:pt x="255270" y="0"/>
+                </a:lnTo>
+                <a:close/>
+              </a:path>
+            </a:pathLst>
+          </a:custGeom>
+          <a:solidFill>
+            <a:schemeClr val="accent6">
+              <a:lumMod val="60000"/>
+              <a:lumOff val="40000"/>
+            </a:schemeClr>
+          </a:solidFill>
+          <a:ln>
+            <a:solidFill>
+              <a:srgbClr val="61A94D"/>
+            </a:solidFill>
+          </a:ln>
+        </p:spPr>
+        <p:style>
+          <a:lnRef idx="2">
+            <a:schemeClr val="accent1">
+              <a:shade val="50000"/>
+            </a:schemeClr>
+          </a:lnRef>
+          <a:fillRef idx="1">
+            <a:schemeClr val="accent1"/>
+          </a:fillRef>
+          <a:effectRef idx="0">
+            <a:schemeClr val="accent1"/>
+          </a:effectRef>
+          <a:fontRef idx="minor">
+            <a:schemeClr val="lt1"/>
+          </a:fontRef>
+        </p:style>
+        <p:txBody>
+          <a:bodyPr rtlCol="0" anchor="ctr"/>
+          <a:lstStyle/>
+          <a:p>
+            <a:pPr algn="ctr"/>
+            <a:endParaRPr lang="en-US"/>
+          </a:p>
+        </p:txBody>
+      </p:sp>
     </p:spTree>
     <p:extLst>
       <p:ext uri="{BB962C8B-B14F-4D97-AF65-F5344CB8AC3E}">
